--- a/script_analysis.pptx
+++ b/script_analysis.pptx
@@ -3455,14 +3455,7 @@
                 <a:latin typeface="Courier"/>
                 <a:cs typeface="Courier"/>
               </a:rPr>
-              <a:t>Current classification accuracy </a:t>
-            </a:r>
-            <a:r>
-              <a:rPr lang="en-US" dirty="0" smtClean="0">
-                <a:latin typeface="Courier"/>
-                <a:cs typeface="Courier"/>
-              </a:rPr>
-              <a:t>~60%</a:t>
+              <a:t>Current classification accuracy ~60%</a:t>
             </a:r>
             <a:endParaRPr lang="en-US" dirty="0">
               <a:latin typeface="Courier"/>
@@ -3547,7 +3540,7 @@
           <a:blip r:embed="rId2">
             <a:extLst>
               <a:ext uri="{28A0092B-C50C-407E-A947-70E740481C1C}">
-                <a14:useLocalDpi xmlns:a14="http://schemas.microsoft.com/office/drawing/2010/main" val="0"/>
+                <a14:useLocalDpi xmlns:a14="http://schemas.microsoft.com/office/drawing/2010/main"/>
               </a:ext>
             </a:extLst>
           </a:blip>
@@ -3625,14 +3618,14 @@
           <p:nvPr/>
         </p:nvPicPr>
         <p:blipFill rotWithShape="1">
-          <a:blip r:embed="rId3">
+          <a:blip r:embed="rId3" cstate="print">
             <a:extLst>
               <a:ext uri="{28A0092B-C50C-407E-A947-70E740481C1C}">
-                <a14:useLocalDpi xmlns:a14="http://schemas.microsoft.com/office/drawing/2010/main" val="0"/>
+                <a14:useLocalDpi xmlns:a14="http://schemas.microsoft.com/office/drawing/2010/main"/>
               </a:ext>
             </a:extLst>
           </a:blip>
-          <a:srcRect l="1584" t="1562" r="3415"/>
+          <a:srcRect/>
           <a:stretch/>
         </p:blipFill>
         <p:spPr>
@@ -3707,20 +3700,20 @@
           <p:nvPr/>
         </p:nvPicPr>
         <p:blipFill rotWithShape="1">
-          <a:blip r:embed="rId2">
+          <a:blip r:embed="rId2" cstate="print">
             <a:extLst>
               <a:ext uri="{28A0092B-C50C-407E-A947-70E740481C1C}">
-                <a14:useLocalDpi xmlns:a14="http://schemas.microsoft.com/office/drawing/2010/main" val="0"/>
+                <a14:useLocalDpi xmlns:a14="http://schemas.microsoft.com/office/drawing/2010/main"/>
               </a:ext>
             </a:extLst>
           </a:blip>
-          <a:srcRect r="2924" b="2797"/>
+          <a:srcRect/>
           <a:stretch/>
         </p:blipFill>
         <p:spPr>
           <a:xfrm>
-            <a:off x="1780116" y="1316566"/>
-            <a:ext cx="4919133" cy="3530601"/>
+            <a:off x="457201" y="1316567"/>
+            <a:ext cx="4043133" cy="2901871"/>
           </a:xfrm>
           <a:prstGeom prst="rect">
             <a:avLst/>
@@ -3739,7 +3732,7 @@
           <a:blip r:embed="rId3">
             <a:extLst>
               <a:ext uri="{28A0092B-C50C-407E-A947-70E740481C1C}">
-                <a14:useLocalDpi xmlns:a14="http://schemas.microsoft.com/office/drawing/2010/main" val="0"/>
+                <a14:useLocalDpi xmlns:a14="http://schemas.microsoft.com/office/drawing/2010/main"/>
               </a:ext>
             </a:extLst>
           </a:blip>
@@ -3751,6 +3744,35 @@
           <a:xfrm>
             <a:off x="740834" y="5110225"/>
             <a:ext cx="6963834" cy="427115"/>
+          </a:xfrm>
+          <a:prstGeom prst="rect">
+            <a:avLst/>
+          </a:prstGeom>
+        </p:spPr>
+      </p:pic>
+      <p:pic>
+        <p:nvPicPr>
+          <p:cNvPr id="3" name="Picture 2" descr="Screen Shot 2016-11-07 at 12.15.12 PM.png"/>
+          <p:cNvPicPr>
+            <a:picLocks noChangeAspect="1"/>
+          </p:cNvPicPr>
+          <p:nvPr/>
+        </p:nvPicPr>
+        <p:blipFill rotWithShape="1">
+          <a:blip r:embed="rId4" cstate="print">
+            <a:extLst>
+              <a:ext uri="{28A0092B-C50C-407E-A947-70E740481C1C}">
+                <a14:useLocalDpi xmlns:a14="http://schemas.microsoft.com/office/drawing/2010/main"/>
+              </a:ext>
+            </a:extLst>
+          </a:blip>
+          <a:srcRect/>
+          <a:stretch/>
+        </p:blipFill>
+        <p:spPr>
+          <a:xfrm>
+            <a:off x="4738961" y="1417638"/>
+            <a:ext cx="3947839" cy="2803959"/>
           </a:xfrm>
           <a:prstGeom prst="rect">
             <a:avLst/>
@@ -4764,10 +4786,6 @@
               </a:rPr>
               <a:t>Supervised/Unsupervised Learning</a:t>
             </a:r>
-            <a:endParaRPr lang="en-US" dirty="0" smtClean="0">
-              <a:latin typeface="Courier"/>
-              <a:cs typeface="Courier"/>
-            </a:endParaRPr>
           </a:p>
           <a:p>
             <a:endParaRPr lang="en-US" dirty="0">
@@ -5304,10 +5322,6 @@
               </a:rPr>
               <a:t>Recommendation</a:t>
             </a:r>
-            <a:endParaRPr lang="en-US" dirty="0" smtClean="0">
-              <a:latin typeface="Courier"/>
-              <a:cs typeface="Courier"/>
-            </a:endParaRPr>
           </a:p>
           <a:p>
             <a:r>
